--- a/project ppt.pptx
+++ b/project ppt.pptx
@@ -218,7 +218,7 @@
           <a:p>
             <a:fld id="{84B86612-B127-4CD0-BF15-66D49A7175F7}" type="datetimeFigureOut">
               <a:rPr lang="en-IN" smtClean="0"/>
-              <a:t>04-09-2025</a:t>
+              <a:t>10-09-2025</a:t>
             </a:fld>
             <a:endParaRPr lang="en-IN"/>
           </a:p>
@@ -715,7 +715,7 @@
           <a:p>
             <a:fld id="{1D8BD707-D9CF-40AE-B4C6-C98DA3205C09}" type="datetimeFigureOut">
               <a:rPr lang="en-US"/>
-              <a:t>9/4/2025</a:t>
+              <a:t>9/10/2025</a:t>
             </a:fld>
             <a:endParaRPr lang="en-US"/>
           </a:p>
@@ -895,7 +895,7 @@
           <a:p>
             <a:fld id="{1D8BD707-D9CF-40AE-B4C6-C98DA3205C09}" type="datetimeFigureOut">
               <a:rPr lang="en-US"/>
-              <a:t>9/4/2025</a:t>
+              <a:t>9/10/2025</a:t>
             </a:fld>
             <a:endParaRPr lang="en-US"/>
           </a:p>
@@ -1118,7 +1118,7 @@
           <a:p>
             <a:fld id="{1D8BD707-D9CF-40AE-B4C6-C98DA3205C09}" type="datetimeFigureOut">
               <a:rPr lang="en-US"/>
-              <a:t>9/4/2025</a:t>
+              <a:t>9/10/2025</a:t>
             </a:fld>
             <a:endParaRPr lang="en-US"/>
           </a:p>
@@ -1275,7 +1275,7 @@
           <a:p>
             <a:fld id="{1D8BD707-D9CF-40AE-B4C6-C98DA3205C09}" type="datetimeFigureOut">
               <a:rPr lang="en-US"/>
-              <a:t>9/4/2025</a:t>
+              <a:t>9/10/2025</a:t>
             </a:fld>
             <a:endParaRPr lang="en-US"/>
           </a:p>
@@ -1403,7 +1403,7 @@
           <a:p>
             <a:fld id="{1D8BD707-D9CF-40AE-B4C6-C98DA3205C09}" type="datetimeFigureOut">
               <a:rPr lang="en-US"/>
-              <a:t>9/4/2025</a:t>
+              <a:t>9/10/2025</a:t>
             </a:fld>
             <a:endParaRPr lang="en-US"/>
           </a:p>
@@ -2122,7 +2122,7 @@
           <a:p>
             <a:fld id="{1D8BD707-D9CF-40AE-B4C6-C98DA3205C09}" type="datetimeFigureOut">
               <a:rPr lang="en-US"/>
-              <a:t>9/4/2025</a:t>
+              <a:t>9/10/2025</a:t>
             </a:fld>
             <a:endParaRPr lang="en-US"/>
           </a:p>
@@ -3386,10 +3386,10 @@
       </p:sp>
       <p:pic>
         <p:nvPicPr>
-          <p:cNvPr id="11" name="Picture 10">
+          <p:cNvPr id="9" name="Picture 8">
             <a:extLst>
               <a:ext uri="{FF2B5EF4-FFF2-40B4-BE49-F238E27FC236}">
-                <a16:creationId xmlns:a16="http://schemas.microsoft.com/office/drawing/2014/main" id="{03170DB9-1FDE-9BA9-40F6-2A1A3768B193}"/>
+                <a16:creationId xmlns:a16="http://schemas.microsoft.com/office/drawing/2014/main" id="{AF57D354-3726-A4B2-B54D-9BA02E6996EB}"/>
               </a:ext>
             </a:extLst>
           </p:cNvPr>
@@ -3412,8 +3412,8 @@
         </p:blipFill>
         <p:spPr>
           <a:xfrm>
-            <a:off x="8471296" y="923363"/>
-            <a:ext cx="3423047" cy="5614747"/>
+            <a:off x="8658051" y="709704"/>
+            <a:ext cx="2847767" cy="5418667"/>
           </a:xfrm>
           <a:prstGeom prst="rect">
             <a:avLst/>
